--- a/apresentacao/champs.pptx
+++ b/apresentacao/champs.pptx
@@ -8,18 +8,16 @@
     <p:sldMasterId id="2147483652" r:id="rId4"/>
   </p:sldMasterIdLst>
   <p:notesMasterIdLst>
-    <p:notesMasterId r:id="rId14"/>
+    <p:notesMasterId r:id="rId12"/>
   </p:notesMasterIdLst>
   <p:sldIdLst>
     <p:sldId id="307" r:id="rId5"/>
     <p:sldId id="257" r:id="rId6"/>
     <p:sldId id="298" r:id="rId7"/>
     <p:sldId id="306" r:id="rId8"/>
-    <p:sldId id="301" r:id="rId9"/>
-    <p:sldId id="295" r:id="rId10"/>
-    <p:sldId id="305" r:id="rId11"/>
-    <p:sldId id="291" r:id="rId12"/>
-    <p:sldId id="308" r:id="rId13"/>
+    <p:sldId id="305" r:id="rId9"/>
+    <p:sldId id="291" r:id="rId10"/>
+    <p:sldId id="308" r:id="rId11"/>
   </p:sldIdLst>
   <p:sldSz cx="13004800" cy="9753600"/>
   <p:notesSz cx="6858000" cy="9144000"/>
@@ -663,67 +661,6 @@
         </p:txBody>
       </p:sp>
     </p:spTree>
-  </p:cSld>
-  <p:clrMapOvr>
-    <a:masterClrMapping/>
-  </p:clrMapOvr>
-</p:notes>
-</file>
-
-<file path=ppt/notesSlides/notesSlide4.xml><?xml version="1.0" encoding="utf-8"?>
-<p:notes xmlns:a="http://schemas.openxmlformats.org/drawingml/2006/main" xmlns:r="http://schemas.openxmlformats.org/officeDocument/2006/relationships" xmlns:p="http://schemas.openxmlformats.org/presentationml/2006/main">
-  <p:cSld>
-    <p:spTree>
-      <p:nvGrpSpPr>
-        <p:cNvPr id="1" name=""/>
-        <p:cNvGrpSpPr/>
-        <p:nvPr/>
-      </p:nvGrpSpPr>
-      <p:grpSpPr>
-        <a:xfrm>
-          <a:off x="0" y="0"/>
-          <a:ext cx="0" cy="0"/>
-          <a:chOff x="0" y="0"/>
-          <a:chExt cx="0" cy="0"/>
-        </a:xfrm>
-      </p:grpSpPr>
-      <p:sp>
-        <p:nvSpPr>
-          <p:cNvPr id="2" name="Slide Image Placeholder 1"/>
-          <p:cNvSpPr>
-            <a:spLocks noGrp="1" noRot="1" noChangeAspect="1"/>
-          </p:cNvSpPr>
-          <p:nvPr>
-            <p:ph type="sldImg"/>
-          </p:nvPr>
-        </p:nvSpPr>
-        <p:spPr/>
-      </p:sp>
-      <p:sp>
-        <p:nvSpPr>
-          <p:cNvPr id="3" name="Notes Placeholder 2"/>
-          <p:cNvSpPr>
-            <a:spLocks noGrp="1"/>
-          </p:cNvSpPr>
-          <p:nvPr>
-            <p:ph type="body" idx="1"/>
-          </p:nvPr>
-        </p:nvSpPr>
-        <p:spPr/>
-        <p:txBody>
-          <a:bodyPr/>
-          <a:lstStyle/>
-          <a:p>
-            <a:endParaRPr lang="en-US" dirty="0"/>
-          </a:p>
-        </p:txBody>
-      </p:sp>
-    </p:spTree>
-    <p:extLst>
-      <p:ext uri="{BB962C8B-B14F-4D97-AF65-F5344CB8AC3E}">
-        <p14:creationId xmlns:p14="http://schemas.microsoft.com/office/powerpoint/2010/main" val="299679412"/>
-      </p:ext>
-    </p:extLst>
   </p:cSld>
   <p:clrMapOvr>
     <a:masterClrMapping/>
@@ -11807,971 +11744,6 @@
           <a:chExt cx="0" cy="0"/>
         </a:xfrm>
       </p:grpSpPr>
-      <p:pic>
-        <p:nvPicPr>
-          <p:cNvPr id="18433" name="Picture 1"/>
-          <p:cNvPicPr>
-            <a:picLocks noChangeAspect="1"/>
-          </p:cNvPicPr>
-          <p:nvPr/>
-        </p:nvPicPr>
-        <p:blipFill>
-          <a:blip r:embed="rId3">
-            <a:extLst>
-              <a:ext uri="{28A0092B-C50C-407E-A947-70E740481C1C}">
-                <a14:useLocalDpi xmlns:a14="http://schemas.microsoft.com/office/drawing/2010/main" val="0"/>
-              </a:ext>
-            </a:extLst>
-          </a:blip>
-          <a:srcRect/>
-          <a:stretch>
-            <a:fillRect/>
-          </a:stretch>
-        </p:blipFill>
-        <p:spPr bwMode="auto">
-          <a:xfrm>
-            <a:off x="-338360" y="772344"/>
-            <a:ext cx="13127136" cy="15487031"/>
-          </a:xfrm>
-          <a:prstGeom prst="rect">
-            <a:avLst/>
-          </a:prstGeom>
-          <a:noFill/>
-          <a:ln>
-            <a:noFill/>
-          </a:ln>
-          <a:extLst>
-            <a:ext uri="{909E8E84-426E-40dd-AFC4-6F175D3DCCD1}">
-              <a14:hiddenFill xmlns:a14="http://schemas.microsoft.com/office/drawing/2010/main">
-                <a:solidFill>
-                  <a:srgbClr val="FFFFFF"/>
-                </a:solidFill>
-              </a14:hiddenFill>
-            </a:ext>
-            <a:ext uri="{91240B29-F687-4f45-9708-019B960494DF}">
-              <a14:hiddenLine xmlns:a14="http://schemas.microsoft.com/office/drawing/2010/main" w="9525">
-                <a:solidFill>
-                  <a:srgbClr val="000000"/>
-                </a:solidFill>
-                <a:miter lim="800000"/>
-                <a:headEnd/>
-                <a:tailEnd/>
-              </a14:hiddenLine>
-            </a:ext>
-          </a:extLst>
-        </p:spPr>
-      </p:pic>
-      <p:sp>
-        <p:nvSpPr>
-          <p:cNvPr id="18434" name="TextBox 2"/>
-          <p:cNvSpPr txBox="1">
-            <a:spLocks noChangeArrowheads="1"/>
-          </p:cNvSpPr>
-          <p:nvPr/>
-        </p:nvSpPr>
-        <p:spPr bwMode="auto">
-          <a:xfrm>
-            <a:off x="3438108" y="773113"/>
-            <a:ext cx="6128602" cy="1015663"/>
-          </a:xfrm>
-          <a:prstGeom prst="rect">
-            <a:avLst/>
-          </a:prstGeom>
-          <a:noFill/>
-          <a:ln>
-            <a:noFill/>
-          </a:ln>
-          <a:extLst>
-            <a:ext uri="{909E8E84-426E-40dd-AFC4-6F175D3DCCD1}">
-              <a14:hiddenFill xmlns:a14="http://schemas.microsoft.com/office/drawing/2010/main">
-                <a:solidFill>
-                  <a:srgbClr val="FFFFFF"/>
-                </a:solidFill>
-              </a14:hiddenFill>
-            </a:ext>
-            <a:ext uri="{91240B29-F687-4f45-9708-019B960494DF}">
-              <a14:hiddenLine xmlns:a14="http://schemas.microsoft.com/office/drawing/2010/main" w="9525">
-                <a:solidFill>
-                  <a:srgbClr val="000000"/>
-                </a:solidFill>
-                <a:miter lim="800000"/>
-                <a:headEnd/>
-                <a:tailEnd/>
-              </a14:hiddenLine>
-            </a:ext>
-          </a:extLst>
-        </p:spPr>
-        <p:txBody>
-          <a:bodyPr wrap="none">
-            <a:spAutoFit/>
-          </a:bodyPr>
-          <a:lstStyle>
-            <a:lvl1pPr eaLnBrk="0" hangingPunct="0">
-              <a:defRPr sz="1200">
-                <a:solidFill>
-                  <a:srgbClr val="FFFFFF"/>
-                </a:solidFill>
-                <a:latin typeface="Gill Sans" charset="0"/>
-                <a:ea typeface="ヒラギノ角ゴ ProN W3" charset="0"/>
-                <a:cs typeface="ヒラギノ角ゴ ProN W3" charset="0"/>
-                <a:sym typeface="Gill Sans" charset="0"/>
-              </a:defRPr>
-            </a:lvl1pPr>
-            <a:lvl2pPr marL="742950" indent="-285750" eaLnBrk="0" hangingPunct="0">
-              <a:defRPr sz="1200">
-                <a:solidFill>
-                  <a:srgbClr val="FFFFFF"/>
-                </a:solidFill>
-                <a:latin typeface="Gill Sans" charset="0"/>
-                <a:ea typeface="ヒラギノ角ゴ ProN W3" charset="0"/>
-                <a:cs typeface="ヒラギノ角ゴ ProN W3" charset="0"/>
-                <a:sym typeface="Gill Sans" charset="0"/>
-              </a:defRPr>
-            </a:lvl2pPr>
-            <a:lvl3pPr marL="1143000" indent="-228600" eaLnBrk="0" hangingPunct="0">
-              <a:defRPr sz="1200">
-                <a:solidFill>
-                  <a:srgbClr val="FFFFFF"/>
-                </a:solidFill>
-                <a:latin typeface="Gill Sans" charset="0"/>
-                <a:ea typeface="ヒラギノ角ゴ ProN W3" charset="0"/>
-                <a:cs typeface="ヒラギノ角ゴ ProN W3" charset="0"/>
-                <a:sym typeface="Gill Sans" charset="0"/>
-              </a:defRPr>
-            </a:lvl3pPr>
-            <a:lvl4pPr marL="1600200" indent="-228600" eaLnBrk="0" hangingPunct="0">
-              <a:defRPr sz="1200">
-                <a:solidFill>
-                  <a:srgbClr val="FFFFFF"/>
-                </a:solidFill>
-                <a:latin typeface="Gill Sans" charset="0"/>
-                <a:ea typeface="ヒラギノ角ゴ ProN W3" charset="0"/>
-                <a:cs typeface="ヒラギノ角ゴ ProN W3" charset="0"/>
-                <a:sym typeface="Gill Sans" charset="0"/>
-              </a:defRPr>
-            </a:lvl4pPr>
-            <a:lvl5pPr marL="2057400" indent="-228600" eaLnBrk="0" hangingPunct="0">
-              <a:defRPr sz="1200">
-                <a:solidFill>
-                  <a:srgbClr val="FFFFFF"/>
-                </a:solidFill>
-                <a:latin typeface="Gill Sans" charset="0"/>
-                <a:ea typeface="ヒラギノ角ゴ ProN W3" charset="0"/>
-                <a:cs typeface="ヒラギノ角ゴ ProN W3" charset="0"/>
-                <a:sym typeface="Gill Sans" charset="0"/>
-              </a:defRPr>
-            </a:lvl5pPr>
-            <a:lvl6pPr marL="2514600" indent="-228600" eaLnBrk="0" fontAlgn="base" hangingPunct="0">
-              <a:spcBef>
-                <a:spcPct val="0"/>
-              </a:spcBef>
-              <a:spcAft>
-                <a:spcPct val="0"/>
-              </a:spcAft>
-              <a:defRPr sz="1200">
-                <a:solidFill>
-                  <a:srgbClr val="FFFFFF"/>
-                </a:solidFill>
-                <a:latin typeface="Gill Sans" charset="0"/>
-                <a:ea typeface="ヒラギノ角ゴ ProN W3" charset="0"/>
-                <a:cs typeface="ヒラギノ角ゴ ProN W3" charset="0"/>
-                <a:sym typeface="Gill Sans" charset="0"/>
-              </a:defRPr>
-            </a:lvl6pPr>
-            <a:lvl7pPr marL="2971800" indent="-228600" eaLnBrk="0" fontAlgn="base" hangingPunct="0">
-              <a:spcBef>
-                <a:spcPct val="0"/>
-              </a:spcBef>
-              <a:spcAft>
-                <a:spcPct val="0"/>
-              </a:spcAft>
-              <a:defRPr sz="1200">
-                <a:solidFill>
-                  <a:srgbClr val="FFFFFF"/>
-                </a:solidFill>
-                <a:latin typeface="Gill Sans" charset="0"/>
-                <a:ea typeface="ヒラギノ角ゴ ProN W3" charset="0"/>
-                <a:cs typeface="ヒラギノ角ゴ ProN W3" charset="0"/>
-                <a:sym typeface="Gill Sans" charset="0"/>
-              </a:defRPr>
-            </a:lvl7pPr>
-            <a:lvl8pPr marL="3429000" indent="-228600" eaLnBrk="0" fontAlgn="base" hangingPunct="0">
-              <a:spcBef>
-                <a:spcPct val="0"/>
-              </a:spcBef>
-              <a:spcAft>
-                <a:spcPct val="0"/>
-              </a:spcAft>
-              <a:defRPr sz="1200">
-                <a:solidFill>
-                  <a:srgbClr val="FFFFFF"/>
-                </a:solidFill>
-                <a:latin typeface="Gill Sans" charset="0"/>
-                <a:ea typeface="ヒラギノ角ゴ ProN W3" charset="0"/>
-                <a:cs typeface="ヒラギノ角ゴ ProN W3" charset="0"/>
-                <a:sym typeface="Gill Sans" charset="0"/>
-              </a:defRPr>
-            </a:lvl8pPr>
-            <a:lvl9pPr marL="3886200" indent="-228600" eaLnBrk="0" fontAlgn="base" hangingPunct="0">
-              <a:spcBef>
-                <a:spcPct val="0"/>
-              </a:spcBef>
-              <a:spcAft>
-                <a:spcPct val="0"/>
-              </a:spcAft>
-              <a:defRPr sz="1200">
-                <a:solidFill>
-                  <a:srgbClr val="FFFFFF"/>
-                </a:solidFill>
-                <a:latin typeface="Gill Sans" charset="0"/>
-                <a:ea typeface="ヒラギノ角ゴ ProN W3" charset="0"/>
-                <a:cs typeface="ヒラギノ角ゴ ProN W3" charset="0"/>
-                <a:sym typeface="Gill Sans" charset="0"/>
-              </a:defRPr>
-            </a:lvl9pPr>
-          </a:lstStyle>
-          <a:p>
-            <a:pPr algn="ctr" eaLnBrk="1" hangingPunct="1"/>
-            <a:r>
-              <a:rPr lang="en-US" sz="6000" dirty="0" err="1" smtClean="0">
-                <a:solidFill>
-                  <a:schemeClr val="tx1"/>
-                </a:solidFill>
-                <a:latin typeface="Museo Slab 700" charset="0"/>
-                <a:cs typeface="Museo Slab 700" charset="0"/>
-              </a:rPr>
-              <a:t>Próximos</a:t>
-            </a:r>
-            <a:r>
-              <a:rPr lang="en-US" sz="6000" dirty="0" smtClean="0">
-                <a:solidFill>
-                  <a:schemeClr val="tx1"/>
-                </a:solidFill>
-                <a:latin typeface="Museo Slab 700" charset="0"/>
-                <a:cs typeface="Museo Slab 700" charset="0"/>
-              </a:rPr>
-              <a:t> </a:t>
-            </a:r>
-            <a:r>
-              <a:rPr lang="en-US" sz="6000" dirty="0" err="1" smtClean="0">
-                <a:solidFill>
-                  <a:schemeClr val="tx1"/>
-                </a:solidFill>
-                <a:latin typeface="Museo Slab 700" charset="0"/>
-                <a:cs typeface="Museo Slab 700" charset="0"/>
-              </a:rPr>
-              <a:t>Passos</a:t>
-            </a:r>
-            <a:endParaRPr lang="en-US" sz="6000" dirty="0">
-              <a:solidFill>
-                <a:schemeClr val="tx1"/>
-              </a:solidFill>
-              <a:latin typeface="Museo Slab 700" charset="0"/>
-              <a:cs typeface="Museo Slab 700" charset="0"/>
-            </a:endParaRPr>
-          </a:p>
-        </p:txBody>
-      </p:sp>
-      <p:sp>
-        <p:nvSpPr>
-          <p:cNvPr id="2" name="TextBox 1"/>
-          <p:cNvSpPr txBox="1"/>
-          <p:nvPr/>
-        </p:nvSpPr>
-        <p:spPr>
-          <a:xfrm>
-            <a:off x="5350272" y="2356520"/>
-            <a:ext cx="4104456" cy="646331"/>
-          </a:xfrm>
-          <a:prstGeom prst="rect">
-            <a:avLst/>
-          </a:prstGeom>
-          <a:noFill/>
-        </p:spPr>
-        <p:txBody>
-          <a:bodyPr wrap="square" rtlCol="0">
-            <a:spAutoFit/>
-          </a:bodyPr>
-          <a:lstStyle/>
-          <a:p>
-            <a:r>
-              <a:rPr lang="en-US" sz="3600" dirty="0" smtClean="0">
-                <a:solidFill>
-                  <a:srgbClr val="FF6600"/>
-                </a:solidFill>
-              </a:rPr>
-              <a:t>DESPESA</a:t>
-            </a:r>
-            <a:endParaRPr lang="en-US" sz="3600" dirty="0">
-              <a:solidFill>
-                <a:srgbClr val="FF6600"/>
-              </a:solidFill>
-            </a:endParaRPr>
-          </a:p>
-        </p:txBody>
-      </p:sp>
-      <p:sp>
-        <p:nvSpPr>
-          <p:cNvPr id="3" name="TextBox 2"/>
-          <p:cNvSpPr txBox="1"/>
-          <p:nvPr/>
-        </p:nvSpPr>
-        <p:spPr>
-          <a:xfrm>
-            <a:off x="5638304" y="5956920"/>
-            <a:ext cx="2304256" cy="707886"/>
-          </a:xfrm>
-          <a:prstGeom prst="rect">
-            <a:avLst/>
-          </a:prstGeom>
-          <a:noFill/>
-        </p:spPr>
-        <p:txBody>
-          <a:bodyPr wrap="square" rtlCol="0">
-            <a:spAutoFit/>
-          </a:bodyPr>
-          <a:lstStyle/>
-          <a:p>
-            <a:r>
-              <a:rPr lang="en-US" sz="4000" dirty="0" err="1" smtClean="0">
-                <a:solidFill>
-                  <a:srgbClr val="000000"/>
-                </a:solidFill>
-                <a:latin typeface="Helvetica"/>
-                <a:cs typeface="Helvetica"/>
-              </a:rPr>
-              <a:t>Cultura</a:t>
-            </a:r>
-            <a:endParaRPr lang="en-US" sz="4000" dirty="0">
-              <a:solidFill>
-                <a:srgbClr val="000000"/>
-              </a:solidFill>
-              <a:latin typeface="Helvetica"/>
-              <a:cs typeface="Helvetica"/>
-            </a:endParaRPr>
-          </a:p>
-        </p:txBody>
-      </p:sp>
-      <p:sp>
-        <p:nvSpPr>
-          <p:cNvPr id="7" name="TextBox 6"/>
-          <p:cNvSpPr txBox="1"/>
-          <p:nvPr/>
-        </p:nvSpPr>
-        <p:spPr>
-          <a:xfrm>
-            <a:off x="1533848" y="5956920"/>
-            <a:ext cx="2592288" cy="707886"/>
-          </a:xfrm>
-          <a:prstGeom prst="rect">
-            <a:avLst/>
-          </a:prstGeom>
-          <a:noFill/>
-        </p:spPr>
-        <p:txBody>
-          <a:bodyPr wrap="square" rtlCol="0">
-            <a:spAutoFit/>
-          </a:bodyPr>
-          <a:lstStyle/>
-          <a:p>
-            <a:r>
-              <a:rPr lang="en-US" sz="4000" dirty="0" err="1" smtClean="0">
-                <a:solidFill>
-                  <a:srgbClr val="000000"/>
-                </a:solidFill>
-                <a:latin typeface="Helvetica"/>
-                <a:cs typeface="Helvetica"/>
-              </a:rPr>
-              <a:t>Indústria</a:t>
-            </a:r>
-            <a:endParaRPr lang="en-US" sz="4000" dirty="0">
-              <a:solidFill>
-                <a:srgbClr val="000000"/>
-              </a:solidFill>
-              <a:latin typeface="Helvetica"/>
-              <a:cs typeface="Helvetica"/>
-            </a:endParaRPr>
-          </a:p>
-        </p:txBody>
-      </p:sp>
-      <p:sp>
-        <p:nvSpPr>
-          <p:cNvPr id="9" name="TextBox 8"/>
-          <p:cNvSpPr txBox="1"/>
-          <p:nvPr/>
-        </p:nvSpPr>
-        <p:spPr>
-          <a:xfrm>
-            <a:off x="7510512" y="3940696"/>
-            <a:ext cx="2304256" cy="707886"/>
-          </a:xfrm>
-          <a:prstGeom prst="rect">
-            <a:avLst/>
-          </a:prstGeom>
-          <a:noFill/>
-        </p:spPr>
-        <p:txBody>
-          <a:bodyPr wrap="square" rtlCol="0">
-            <a:spAutoFit/>
-          </a:bodyPr>
-          <a:lstStyle/>
-          <a:p>
-            <a:r>
-              <a:rPr lang="en-US" sz="4000" dirty="0" err="1" smtClean="0">
-                <a:solidFill>
-                  <a:srgbClr val="000000"/>
-                </a:solidFill>
-                <a:latin typeface="Helvetica"/>
-                <a:cs typeface="Helvetica"/>
-              </a:rPr>
-              <a:t>Saúde</a:t>
-            </a:r>
-            <a:endParaRPr lang="en-US" sz="4000" dirty="0">
-              <a:solidFill>
-                <a:srgbClr val="000000"/>
-              </a:solidFill>
-              <a:latin typeface="Helvetica"/>
-              <a:cs typeface="Helvetica"/>
-            </a:endParaRPr>
-          </a:p>
-        </p:txBody>
-      </p:sp>
-      <p:sp>
-        <p:nvSpPr>
-          <p:cNvPr id="10" name="TextBox 9"/>
-          <p:cNvSpPr txBox="1"/>
-          <p:nvPr/>
-        </p:nvSpPr>
-        <p:spPr>
-          <a:xfrm>
-            <a:off x="9166696" y="5956920"/>
-            <a:ext cx="2304256" cy="707886"/>
-          </a:xfrm>
-          <a:prstGeom prst="rect">
-            <a:avLst/>
-          </a:prstGeom>
-          <a:noFill/>
-        </p:spPr>
-        <p:txBody>
-          <a:bodyPr wrap="square" rtlCol="0">
-            <a:spAutoFit/>
-          </a:bodyPr>
-          <a:lstStyle/>
-          <a:p>
-            <a:r>
-              <a:rPr lang="en-US" sz="4000" dirty="0" err="1" smtClean="0">
-                <a:solidFill>
-                  <a:srgbClr val="000000"/>
-                </a:solidFill>
-                <a:latin typeface="Helvetica"/>
-                <a:cs typeface="Helvetica"/>
-              </a:rPr>
-              <a:t>Trabalho</a:t>
-            </a:r>
-            <a:endParaRPr lang="en-US" sz="4000" dirty="0">
-              <a:solidFill>
-                <a:srgbClr val="000000"/>
-              </a:solidFill>
-              <a:latin typeface="Helvetica"/>
-              <a:cs typeface="Helvetica"/>
-            </a:endParaRPr>
-          </a:p>
-        </p:txBody>
-      </p:sp>
-      <p:sp>
-        <p:nvSpPr>
-          <p:cNvPr id="11" name="TextBox 10"/>
-          <p:cNvSpPr txBox="1"/>
-          <p:nvPr/>
-        </p:nvSpPr>
-        <p:spPr>
-          <a:xfrm>
-            <a:off x="1389832" y="7541096"/>
-            <a:ext cx="2304256" cy="584776"/>
-          </a:xfrm>
-          <a:prstGeom prst="rect">
-            <a:avLst/>
-          </a:prstGeom>
-          <a:noFill/>
-        </p:spPr>
-        <p:txBody>
-          <a:bodyPr wrap="square" rtlCol="0">
-            <a:spAutoFit/>
-          </a:bodyPr>
-          <a:lstStyle/>
-          <a:p>
-            <a:r>
-              <a:rPr lang="en-US" sz="3200" dirty="0" smtClean="0">
-                <a:solidFill>
-                  <a:schemeClr val="tx1">
-                    <a:alpha val="50000"/>
-                  </a:schemeClr>
-                </a:solidFill>
-                <a:latin typeface="Helvetica"/>
-                <a:cs typeface="Helvetica"/>
-              </a:rPr>
-              <a:t>FINDES</a:t>
-            </a:r>
-            <a:endParaRPr lang="en-US" sz="3200" dirty="0">
-              <a:solidFill>
-                <a:schemeClr val="tx1">
-                  <a:alpha val="50000"/>
-                </a:schemeClr>
-              </a:solidFill>
-              <a:latin typeface="Helvetica"/>
-              <a:cs typeface="Helvetica"/>
-            </a:endParaRPr>
-          </a:p>
-        </p:txBody>
-      </p:sp>
-      <p:sp>
-        <p:nvSpPr>
-          <p:cNvPr id="13" name="TextBox 12"/>
-          <p:cNvSpPr txBox="1"/>
-          <p:nvPr/>
-        </p:nvSpPr>
-        <p:spPr>
-          <a:xfrm>
-            <a:off x="7942560" y="8405192"/>
-            <a:ext cx="2664296" cy="954107"/>
-          </a:xfrm>
-          <a:prstGeom prst="rect">
-            <a:avLst/>
-          </a:prstGeom>
-          <a:noFill/>
-        </p:spPr>
-        <p:txBody>
-          <a:bodyPr wrap="square" rtlCol="0">
-            <a:spAutoFit/>
-          </a:bodyPr>
-          <a:lstStyle/>
-          <a:p>
-            <a:pPr algn="ctr"/>
-            <a:r>
-              <a:rPr lang="en-US" sz="3200" dirty="0" err="1" smtClean="0">
-                <a:solidFill>
-                  <a:schemeClr val="tx1">
-                    <a:alpha val="50000"/>
-                  </a:schemeClr>
-                </a:solidFill>
-                <a:latin typeface="Helvetica"/>
-                <a:cs typeface="Helvetica"/>
-              </a:rPr>
-              <a:t>Rádio</a:t>
-            </a:r>
-            <a:r>
-              <a:rPr lang="en-US" sz="2800" dirty="0" smtClean="0">
-                <a:solidFill>
-                  <a:schemeClr val="tx1">
-                    <a:alpha val="50000"/>
-                  </a:schemeClr>
-                </a:solidFill>
-                <a:latin typeface="Helvetica"/>
-                <a:cs typeface="Helvetica"/>
-              </a:rPr>
-              <a:t> </a:t>
-            </a:r>
-            <a:r>
-              <a:rPr lang="en-US" sz="2400" dirty="0" err="1" smtClean="0">
-                <a:solidFill>
-                  <a:schemeClr val="tx1">
-                    <a:alpha val="50000"/>
-                  </a:schemeClr>
-                </a:solidFill>
-                <a:latin typeface="Helvetica"/>
-                <a:cs typeface="Helvetica"/>
-              </a:rPr>
-              <a:t>Inconfidência</a:t>
-            </a:r>
-            <a:endParaRPr lang="en-US" sz="2400" dirty="0">
-              <a:solidFill>
-                <a:schemeClr val="tx1">
-                  <a:alpha val="50000"/>
-                </a:schemeClr>
-              </a:solidFill>
-              <a:latin typeface="Helvetica"/>
-              <a:cs typeface="Helvetica"/>
-            </a:endParaRPr>
-          </a:p>
-        </p:txBody>
-      </p:sp>
-      <p:sp>
-        <p:nvSpPr>
-          <p:cNvPr id="14" name="TextBox 13"/>
-          <p:cNvSpPr txBox="1"/>
-          <p:nvPr/>
-        </p:nvSpPr>
-        <p:spPr>
-          <a:xfrm>
-            <a:off x="4198144" y="8549208"/>
-            <a:ext cx="2304256" cy="584776"/>
-          </a:xfrm>
-          <a:prstGeom prst="rect">
-            <a:avLst/>
-          </a:prstGeom>
-          <a:noFill/>
-        </p:spPr>
-        <p:txBody>
-          <a:bodyPr wrap="square" rtlCol="0">
-            <a:spAutoFit/>
-          </a:bodyPr>
-          <a:lstStyle/>
-          <a:p>
-            <a:r>
-              <a:rPr lang="en-US" sz="3200" dirty="0" smtClean="0">
-                <a:solidFill>
-                  <a:schemeClr val="tx1">
-                    <a:alpha val="50000"/>
-                  </a:schemeClr>
-                </a:solidFill>
-                <a:latin typeface="Helvetica"/>
-                <a:cs typeface="Helvetica"/>
-              </a:rPr>
-              <a:t>FCS</a:t>
-            </a:r>
-            <a:endParaRPr lang="en-US" sz="3200" dirty="0">
-              <a:solidFill>
-                <a:schemeClr val="tx1">
-                  <a:alpha val="50000"/>
-                </a:schemeClr>
-              </a:solidFill>
-              <a:latin typeface="Helvetica"/>
-              <a:cs typeface="Helvetica"/>
-            </a:endParaRPr>
-          </a:p>
-        </p:txBody>
-      </p:sp>
-    </p:spTree>
-  </p:cSld>
-  <p:clrMapOvr>
-    <a:masterClrMapping/>
-  </p:clrMapOvr>
-  <p:transition xmlns:p14="http://schemas.microsoft.com/office/powerpoint/2010/main"/>
-  <p:timing>
-    <p:tnLst>
-      <p:par>
-        <p:cTn xmlns:p14="http://schemas.microsoft.com/office/powerpoint/2010/main" id="1" dur="indefinite" restart="never" nodeType="tmRoot"/>
-      </p:par>
-    </p:tnLst>
-  </p:timing>
-</p:sld>
-</file>
-
-<file path=ppt/slides/slide6.xml><?xml version="1.0" encoding="utf-8"?>
-<p:sld xmlns:a="http://schemas.openxmlformats.org/drawingml/2006/main" xmlns:r="http://schemas.openxmlformats.org/officeDocument/2006/relationships" xmlns:p="http://schemas.openxmlformats.org/presentationml/2006/main">
-  <p:cSld>
-    <p:spTree>
-      <p:nvGrpSpPr>
-        <p:cNvPr id="1" name=""/>
-        <p:cNvGrpSpPr/>
-        <p:nvPr/>
-      </p:nvGrpSpPr>
-      <p:grpSpPr>
-        <a:xfrm>
-          <a:off x="0" y="0"/>
-          <a:ext cx="0" cy="0"/>
-          <a:chOff x="0" y="0"/>
-          <a:chExt cx="0" cy="0"/>
-        </a:xfrm>
-      </p:grpSpPr>
-      <p:pic>
-        <p:nvPicPr>
-          <p:cNvPr id="17409" name="Picture 5" descr="Screen Shot 2013-11-05 at 8.01.26 PM.png"/>
-          <p:cNvPicPr>
-            <a:picLocks noChangeAspect="1"/>
-          </p:cNvPicPr>
-          <p:nvPr/>
-        </p:nvPicPr>
-        <p:blipFill>
-          <a:blip r:embed="rId2">
-            <a:extLst>
-              <a:ext uri="{28A0092B-C50C-407E-A947-70E740481C1C}">
-                <a14:useLocalDpi xmlns:a14="http://schemas.microsoft.com/office/drawing/2010/main" val="0"/>
-              </a:ext>
-            </a:extLst>
-          </a:blip>
-          <a:srcRect t="1044"/>
-          <a:stretch>
-            <a:fillRect/>
-          </a:stretch>
-        </p:blipFill>
-        <p:spPr bwMode="auto">
-          <a:xfrm>
-            <a:off x="309563" y="2541588"/>
-            <a:ext cx="12192000" cy="6296025"/>
-          </a:xfrm>
-          <a:prstGeom prst="rect">
-            <a:avLst/>
-          </a:prstGeom>
-          <a:noFill/>
-          <a:ln>
-            <a:noFill/>
-          </a:ln>
-          <a:extLst>
-            <a:ext uri="{909E8E84-426E-40dd-AFC4-6F175D3DCCD1}">
-              <a14:hiddenFill xmlns:a14="http://schemas.microsoft.com/office/drawing/2010/main">
-                <a:solidFill>
-                  <a:srgbClr val="FFFFFF"/>
-                </a:solidFill>
-              </a14:hiddenFill>
-            </a:ext>
-            <a:ext uri="{91240B29-F687-4f45-9708-019B960494DF}">
-              <a14:hiddenLine xmlns:a14="http://schemas.microsoft.com/office/drawing/2010/main" w="9525">
-                <a:solidFill>
-                  <a:srgbClr val="000000"/>
-                </a:solidFill>
-                <a:miter lim="800000"/>
-                <a:headEnd/>
-                <a:tailEnd/>
-              </a14:hiddenLine>
-            </a:ext>
-          </a:extLst>
-        </p:spPr>
-      </p:pic>
-      <p:sp>
-        <p:nvSpPr>
-          <p:cNvPr id="17410" name="TextBox 2"/>
-          <p:cNvSpPr txBox="1">
-            <a:spLocks noChangeArrowheads="1"/>
-          </p:cNvSpPr>
-          <p:nvPr/>
-        </p:nvSpPr>
-        <p:spPr bwMode="auto">
-          <a:xfrm>
-            <a:off x="2867375" y="773113"/>
-            <a:ext cx="7270064" cy="1015663"/>
-          </a:xfrm>
-          <a:prstGeom prst="rect">
-            <a:avLst/>
-          </a:prstGeom>
-          <a:noFill/>
-          <a:ln>
-            <a:noFill/>
-          </a:ln>
-          <a:extLst>
-            <a:ext uri="{909E8E84-426E-40dd-AFC4-6F175D3DCCD1}">
-              <a14:hiddenFill xmlns:a14="http://schemas.microsoft.com/office/drawing/2010/main">
-                <a:solidFill>
-                  <a:srgbClr val="FFFFFF"/>
-                </a:solidFill>
-              </a14:hiddenFill>
-            </a:ext>
-            <a:ext uri="{91240B29-F687-4f45-9708-019B960494DF}">
-              <a14:hiddenLine xmlns:a14="http://schemas.microsoft.com/office/drawing/2010/main" w="9525">
-                <a:solidFill>
-                  <a:srgbClr val="000000"/>
-                </a:solidFill>
-                <a:miter lim="800000"/>
-                <a:headEnd/>
-                <a:tailEnd/>
-              </a14:hiddenLine>
-            </a:ext>
-          </a:extLst>
-        </p:spPr>
-        <p:txBody>
-          <a:bodyPr wrap="none">
-            <a:spAutoFit/>
-          </a:bodyPr>
-          <a:lstStyle>
-            <a:lvl1pPr eaLnBrk="0" hangingPunct="0">
-              <a:defRPr sz="1200">
-                <a:solidFill>
-                  <a:srgbClr val="FFFFFF"/>
-                </a:solidFill>
-                <a:latin typeface="Gill Sans" charset="0"/>
-                <a:ea typeface="ヒラギノ角ゴ ProN W3" charset="0"/>
-                <a:cs typeface="ヒラギノ角ゴ ProN W3" charset="0"/>
-                <a:sym typeface="Gill Sans" charset="0"/>
-              </a:defRPr>
-            </a:lvl1pPr>
-            <a:lvl2pPr marL="742950" indent="-285750" eaLnBrk="0" hangingPunct="0">
-              <a:defRPr sz="1200">
-                <a:solidFill>
-                  <a:srgbClr val="FFFFFF"/>
-                </a:solidFill>
-                <a:latin typeface="Gill Sans" charset="0"/>
-                <a:ea typeface="ヒラギノ角ゴ ProN W3" charset="0"/>
-                <a:cs typeface="ヒラギノ角ゴ ProN W3" charset="0"/>
-                <a:sym typeface="Gill Sans" charset="0"/>
-              </a:defRPr>
-            </a:lvl2pPr>
-            <a:lvl3pPr marL="1143000" indent="-228600" eaLnBrk="0" hangingPunct="0">
-              <a:defRPr sz="1200">
-                <a:solidFill>
-                  <a:srgbClr val="FFFFFF"/>
-                </a:solidFill>
-                <a:latin typeface="Gill Sans" charset="0"/>
-                <a:ea typeface="ヒラギノ角ゴ ProN W3" charset="0"/>
-                <a:cs typeface="ヒラギノ角ゴ ProN W3" charset="0"/>
-                <a:sym typeface="Gill Sans" charset="0"/>
-              </a:defRPr>
-            </a:lvl3pPr>
-            <a:lvl4pPr marL="1600200" indent="-228600" eaLnBrk="0" hangingPunct="0">
-              <a:defRPr sz="1200">
-                <a:solidFill>
-                  <a:srgbClr val="FFFFFF"/>
-                </a:solidFill>
-                <a:latin typeface="Gill Sans" charset="0"/>
-                <a:ea typeface="ヒラギノ角ゴ ProN W3" charset="0"/>
-                <a:cs typeface="ヒラギノ角ゴ ProN W3" charset="0"/>
-                <a:sym typeface="Gill Sans" charset="0"/>
-              </a:defRPr>
-            </a:lvl4pPr>
-            <a:lvl5pPr marL="2057400" indent="-228600" eaLnBrk="0" hangingPunct="0">
-              <a:defRPr sz="1200">
-                <a:solidFill>
-                  <a:srgbClr val="FFFFFF"/>
-                </a:solidFill>
-                <a:latin typeface="Gill Sans" charset="0"/>
-                <a:ea typeface="ヒラギノ角ゴ ProN W3" charset="0"/>
-                <a:cs typeface="ヒラギノ角ゴ ProN W3" charset="0"/>
-                <a:sym typeface="Gill Sans" charset="0"/>
-              </a:defRPr>
-            </a:lvl5pPr>
-            <a:lvl6pPr marL="2514600" indent="-228600" eaLnBrk="0" fontAlgn="base" hangingPunct="0">
-              <a:spcBef>
-                <a:spcPct val="0"/>
-              </a:spcBef>
-              <a:spcAft>
-                <a:spcPct val="0"/>
-              </a:spcAft>
-              <a:defRPr sz="1200">
-                <a:solidFill>
-                  <a:srgbClr val="FFFFFF"/>
-                </a:solidFill>
-                <a:latin typeface="Gill Sans" charset="0"/>
-                <a:ea typeface="ヒラギノ角ゴ ProN W3" charset="0"/>
-                <a:cs typeface="ヒラギノ角ゴ ProN W3" charset="0"/>
-                <a:sym typeface="Gill Sans" charset="0"/>
-              </a:defRPr>
-            </a:lvl6pPr>
-            <a:lvl7pPr marL="2971800" indent="-228600" eaLnBrk="0" fontAlgn="base" hangingPunct="0">
-              <a:spcBef>
-                <a:spcPct val="0"/>
-              </a:spcBef>
-              <a:spcAft>
-                <a:spcPct val="0"/>
-              </a:spcAft>
-              <a:defRPr sz="1200">
-                <a:solidFill>
-                  <a:srgbClr val="FFFFFF"/>
-                </a:solidFill>
-                <a:latin typeface="Gill Sans" charset="0"/>
-                <a:ea typeface="ヒラギノ角ゴ ProN W3" charset="0"/>
-                <a:cs typeface="ヒラギノ角ゴ ProN W3" charset="0"/>
-                <a:sym typeface="Gill Sans" charset="0"/>
-              </a:defRPr>
-            </a:lvl7pPr>
-            <a:lvl8pPr marL="3429000" indent="-228600" eaLnBrk="0" fontAlgn="base" hangingPunct="0">
-              <a:spcBef>
-                <a:spcPct val="0"/>
-              </a:spcBef>
-              <a:spcAft>
-                <a:spcPct val="0"/>
-              </a:spcAft>
-              <a:defRPr sz="1200">
-                <a:solidFill>
-                  <a:srgbClr val="FFFFFF"/>
-                </a:solidFill>
-                <a:latin typeface="Gill Sans" charset="0"/>
-                <a:ea typeface="ヒラギノ角ゴ ProN W3" charset="0"/>
-                <a:cs typeface="ヒラギノ角ゴ ProN W3" charset="0"/>
-                <a:sym typeface="Gill Sans" charset="0"/>
-              </a:defRPr>
-            </a:lvl8pPr>
-            <a:lvl9pPr marL="3886200" indent="-228600" eaLnBrk="0" fontAlgn="base" hangingPunct="0">
-              <a:spcBef>
-                <a:spcPct val="0"/>
-              </a:spcBef>
-              <a:spcAft>
-                <a:spcPct val="0"/>
-              </a:spcAft>
-              <a:defRPr sz="1200">
-                <a:solidFill>
-                  <a:srgbClr val="FFFFFF"/>
-                </a:solidFill>
-                <a:latin typeface="Gill Sans" charset="0"/>
-                <a:ea typeface="ヒラギノ角ゴ ProN W3" charset="0"/>
-                <a:cs typeface="ヒラギノ角ゴ ProN W3" charset="0"/>
-                <a:sym typeface="Gill Sans" charset="0"/>
-              </a:defRPr>
-            </a:lvl9pPr>
-          </a:lstStyle>
-          <a:p>
-            <a:pPr algn="ctr" eaLnBrk="1" hangingPunct="1"/>
-            <a:r>
-              <a:rPr lang="en-US" sz="6000" dirty="0" err="1" smtClean="0">
-                <a:solidFill>
-                  <a:schemeClr val="tx1"/>
-                </a:solidFill>
-                <a:latin typeface="Museo Slab 700" charset="0"/>
-                <a:cs typeface="Museo Slab 700" charset="0"/>
-              </a:rPr>
-              <a:t>Novas</a:t>
-            </a:r>
-            <a:r>
-              <a:rPr lang="en-US" sz="6000" dirty="0" smtClean="0">
-                <a:solidFill>
-                  <a:schemeClr val="tx1"/>
-                </a:solidFill>
-                <a:latin typeface="Museo Slab 700" charset="0"/>
-                <a:cs typeface="Museo Slab 700" charset="0"/>
-              </a:rPr>
-              <a:t> </a:t>
-            </a:r>
-            <a:r>
-              <a:rPr lang="en-US" sz="6000" dirty="0" err="1" smtClean="0">
-                <a:solidFill>
-                  <a:schemeClr val="tx1"/>
-                </a:solidFill>
-                <a:latin typeface="Museo Slab 700" charset="0"/>
-                <a:cs typeface="Museo Slab 700" charset="0"/>
-              </a:rPr>
-              <a:t>Visualizações</a:t>
-            </a:r>
-            <a:endParaRPr lang="en-US" sz="6000" dirty="0">
-              <a:solidFill>
-                <a:schemeClr val="tx1"/>
-              </a:solidFill>
-              <a:latin typeface="Museo Slab 700" charset="0"/>
-              <a:cs typeface="Museo Slab 700" charset="0"/>
-            </a:endParaRPr>
-          </a:p>
-        </p:txBody>
-      </p:sp>
-    </p:spTree>
-  </p:cSld>
-  <p:clrMapOvr>
-    <a:masterClrMapping/>
-  </p:clrMapOvr>
-  <p:transition xmlns:p14="http://schemas.microsoft.com/office/powerpoint/2010/main"/>
-  <p:timing>
-    <p:tnLst>
-      <p:par>
-        <p:cTn xmlns:p14="http://schemas.microsoft.com/office/powerpoint/2010/main" id="1" dur="indefinite" restart="never" nodeType="tmRoot"/>
-      </p:par>
-    </p:tnLst>
-  </p:timing>
-</p:sld>
-</file>
-
-<file path=ppt/slides/slide7.xml><?xml version="1.0" encoding="utf-8"?>
-<p:sld xmlns:a="http://schemas.openxmlformats.org/drawingml/2006/main" xmlns:r="http://schemas.openxmlformats.org/officeDocument/2006/relationships" xmlns:p="http://schemas.openxmlformats.org/presentationml/2006/main">
-  <p:cSld>
-    <p:spTree>
-      <p:nvGrpSpPr>
-        <p:cNvPr id="1" name=""/>
-        <p:cNvGrpSpPr/>
-        <p:nvPr/>
-      </p:nvGrpSpPr>
-      <p:grpSpPr>
-        <a:xfrm>
-          <a:off x="0" y="0"/>
-          <a:ext cx="0" cy="0"/>
-          <a:chOff x="0" y="0"/>
-          <a:chExt cx="0" cy="0"/>
-        </a:xfrm>
-      </p:grpSpPr>
       <p:sp>
         <p:nvSpPr>
           <p:cNvPr id="22529" name="TextBox 3"/>
@@ -13544,7 +12516,7 @@
 </p:sld>
 </file>
 
-<file path=ppt/slides/slide8.xml><?xml version="1.0" encoding="utf-8"?>
+<file path=ppt/slides/slide6.xml><?xml version="1.0" encoding="utf-8"?>
 <p:sld xmlns:a="http://schemas.openxmlformats.org/drawingml/2006/main" xmlns:r="http://schemas.openxmlformats.org/officeDocument/2006/relationships" xmlns:p="http://schemas.openxmlformats.org/presentationml/2006/main">
   <p:cSld>
     <p:spTree>
@@ -14711,7 +13683,7 @@
 </p:sld>
 </file>
 
-<file path=ppt/slides/slide9.xml><?xml version="1.0" encoding="utf-8"?>
+<file path=ppt/slides/slide7.xml><?xml version="1.0" encoding="utf-8"?>
 <p:sld xmlns:a="http://schemas.openxmlformats.org/drawingml/2006/main" xmlns:r="http://schemas.openxmlformats.org/officeDocument/2006/relationships" xmlns:p="http://schemas.openxmlformats.org/presentationml/2006/main">
   <p:cSld>
     <p:bg>
@@ -14746,8 +13718,8 @@
         </p:nvSpPr>
         <p:spPr bwMode="auto">
           <a:xfrm>
-            <a:off x="2646537" y="3676650"/>
-            <a:ext cx="7711726" cy="1508105"/>
+            <a:off x="1862479" y="3676650"/>
+            <a:ext cx="9279843" cy="2462213"/>
           </a:xfrm>
           <a:prstGeom prst="rect">
             <a:avLst/>
@@ -14784,7 +13756,7 @@
           <a:p>
             <a:pPr marL="39688" algn="ctr"/>
             <a:r>
-              <a:rPr lang="en-US" sz="6600" dirty="0">
+              <a:rPr lang="en-US" sz="8000" dirty="0">
                 <a:solidFill>
                   <a:schemeClr val="bg1"/>
                 </a:solidFill>
@@ -14795,7 +13767,7 @@
               <a:t>http://</a:t>
             </a:r>
             <a:r>
-              <a:rPr lang="en-US" sz="6600" dirty="0" smtClean="0">
+              <a:rPr lang="en-US" sz="8000" dirty="0" smtClean="0">
                 <a:solidFill>
                   <a:schemeClr val="bg1"/>
                 </a:solidFill>
@@ -14805,7 +13777,7 @@
               </a:rPr>
               <a:t>dataminas.info</a:t>
             </a:r>
-            <a:endParaRPr lang="en-US" sz="6600" dirty="0">
+            <a:endParaRPr lang="en-US" sz="8000" dirty="0">
               <a:solidFill>
                 <a:schemeClr val="bg1"/>
               </a:solidFill>
@@ -14816,7 +13788,7 @@
           </a:p>
           <a:p>
             <a:pPr marL="39688" algn="ctr"/>
-            <a:endParaRPr lang="en-US" sz="3200" dirty="0">
+            <a:endParaRPr lang="en-US" sz="8000" dirty="0">
               <a:solidFill>
                 <a:schemeClr val="bg1"/>
               </a:solidFill>

--- a/apresentacao/champs.pptx
+++ b/apresentacao/champs.pptx
@@ -11284,7 +11284,7 @@
         </p:nvGraphicFramePr>
         <p:xfrm>
           <a:off x="598488" y="4400550"/>
-          <a:ext cx="11807825" cy="3098799"/>
+          <a:ext cx="11807825" cy="3174685"/>
         </p:xfrm>
         <a:graphic>
           <a:graphicData uri="http://schemas.openxmlformats.org/drawingml/2006/table">
@@ -11641,8 +11641,8 @@
         </p:nvSpPr>
         <p:spPr bwMode="auto">
           <a:xfrm>
-            <a:off x="5213748" y="3676650"/>
-            <a:ext cx="2577308" cy="1508105"/>
+            <a:off x="4270152" y="3868688"/>
+            <a:ext cx="4464496" cy="1015663"/>
           </a:xfrm>
           <a:prstGeom prst="rect">
             <a:avLst/>
@@ -11672,7 +11672,7 @@
           </a:extLst>
         </p:spPr>
         <p:txBody>
-          <a:bodyPr wrap="none" lIns="0" tIns="0" rIns="40639" bIns="0">
+          <a:bodyPr wrap="square" lIns="0" tIns="0" rIns="40639" bIns="0">
             <a:spAutoFit/>
           </a:bodyPr>
           <a:lstStyle/>
@@ -11687,20 +11687,20 @@
                 <a:cs typeface="Arial Bold" charset="0"/>
                 <a:sym typeface="Arial Bold" charset="0"/>
               </a:rPr>
-              <a:t>#video</a:t>
+              <a:t>#</a:t>
+            </a:r>
+            <a:r>
+              <a:rPr lang="en-US" sz="6600" dirty="0" smtClean="0">
+                <a:solidFill>
+                  <a:schemeClr val="bg1"/>
+                </a:solidFill>
+                <a:latin typeface="Museo Slab 300" charset="0"/>
+                <a:cs typeface="Arial Bold" charset="0"/>
+                <a:sym typeface="Arial Bold" charset="0"/>
+              </a:rPr>
+              <a:t>video</a:t>
             </a:r>
             <a:endParaRPr lang="en-US" sz="6600" dirty="0">
-              <a:solidFill>
-                <a:schemeClr val="bg1"/>
-              </a:solidFill>
-              <a:latin typeface="Museo Slab 700" charset="0"/>
-              <a:cs typeface="Arial Bold" charset="0"/>
-              <a:sym typeface="Arial Bold" charset="0"/>
-            </a:endParaRPr>
-          </a:p>
-          <a:p>
-            <a:pPr marL="39688" algn="ctr"/>
-            <a:endParaRPr lang="en-US" sz="3200" dirty="0">
               <a:solidFill>
                 <a:schemeClr val="bg1"/>
               </a:solidFill>
@@ -13594,7 +13594,7 @@
         </p:nvSpPr>
         <p:spPr>
           <a:xfrm>
-            <a:off x="5707063" y="5576888"/>
+            <a:off x="5926138" y="5576888"/>
             <a:ext cx="6624637" cy="769441"/>
           </a:xfrm>
           <a:prstGeom prst="rect">
@@ -13718,8 +13718,8 @@
         </p:nvSpPr>
         <p:spPr bwMode="auto">
           <a:xfrm>
-            <a:off x="1862479" y="3676650"/>
-            <a:ext cx="9279843" cy="2462213"/>
+            <a:off x="1029792" y="4084712"/>
+            <a:ext cx="11377263" cy="1231106"/>
           </a:xfrm>
           <a:prstGeom prst="rect">
             <a:avLst/>
@@ -13749,7 +13749,7 @@
           </a:extLst>
         </p:spPr>
         <p:txBody>
-          <a:bodyPr wrap="none" lIns="0" tIns="0" rIns="40639" bIns="0">
+          <a:bodyPr wrap="square" lIns="0" tIns="0" rIns="40639" bIns="0">
             <a:spAutoFit/>
           </a:bodyPr>
           <a:lstStyle/>
@@ -13767,7 +13767,7 @@
               <a:t>http://</a:t>
             </a:r>
             <a:r>
-              <a:rPr lang="en-US" sz="8000" dirty="0" smtClean="0">
+              <a:rPr lang="en-US" sz="8000" dirty="0" err="1" smtClean="0">
                 <a:solidFill>
                   <a:schemeClr val="bg1"/>
                 </a:solidFill>
@@ -13777,17 +13777,6 @@
               </a:rPr>
               <a:t>dataminas.info</a:t>
             </a:r>
-            <a:endParaRPr lang="en-US" sz="8000" dirty="0">
-              <a:solidFill>
-                <a:schemeClr val="bg1"/>
-              </a:solidFill>
-              <a:latin typeface="Museo Slab 700" charset="0"/>
-              <a:cs typeface="Arial Bold" charset="0"/>
-              <a:sym typeface="Arial Bold" charset="0"/>
-            </a:endParaRPr>
-          </a:p>
-          <a:p>
-            <a:pPr marL="39688" algn="ctr"/>
             <a:endParaRPr lang="en-US" sz="8000" dirty="0">
               <a:solidFill>
                 <a:schemeClr val="bg1"/>
